--- a/结课提交/5-2_23组结课.pptx
+++ b/结课提交/5-2_23组结课.pptx
@@ -211,7 +211,7 @@
           <a:p>
             <a:fld id="{7F994B29-F39D-43B3-BFB1-BD6A63C30B1C}" type="datetimeFigureOut">
               <a:rPr lang="zh-CN" altLang="en-US" smtClean="0"/>
-              <a:t>2017/10/30</a:t>
+              <a:t>2017/10/31</a:t>
             </a:fld>
             <a:endParaRPr lang="zh-CN" altLang="en-US"/>
           </a:p>
@@ -671,7 +671,7 @@
             <a:fld id="{B61BEF0D-F0BB-DE4B-95CE-6DB70DBA9567}" type="datetimeFigureOut">
               <a:rPr lang="en-US" dirty="0"/>
               <a:pPr/>
-              <a:t>10/30/2017</a:t>
+              <a:t>10/31/2017</a:t>
             </a:fld>
             <a:endParaRPr lang="en-US" dirty="0"/>
           </a:p>
@@ -1104,7 +1104,7 @@
             <a:fld id="{B61BEF0D-F0BB-DE4B-95CE-6DB70DBA9567}" type="datetimeFigureOut">
               <a:rPr lang="en-US" dirty="0"/>
               <a:pPr/>
-              <a:t>10/30/2017</a:t>
+              <a:t>10/31/2017</a:t>
             </a:fld>
             <a:endParaRPr lang="en-US" dirty="0"/>
           </a:p>
@@ -1351,7 +1351,7 @@
             <a:fld id="{B61BEF0D-F0BB-DE4B-95CE-6DB70DBA9567}" type="datetimeFigureOut">
               <a:rPr lang="en-US" dirty="0"/>
               <a:pPr/>
-              <a:t>10/30/2017</a:t>
+              <a:t>10/31/2017</a:t>
             </a:fld>
             <a:endParaRPr lang="en-US" dirty="0"/>
           </a:p>
@@ -1656,7 +1656,7 @@
             <a:fld id="{B61BEF0D-F0BB-DE4B-95CE-6DB70DBA9567}" type="datetimeFigureOut">
               <a:rPr lang="en-US" dirty="0"/>
               <a:pPr/>
-              <a:t>10/30/2017</a:t>
+              <a:t>10/31/2017</a:t>
             </a:fld>
             <a:endParaRPr lang="en-US" dirty="0"/>
           </a:p>
@@ -1971,7 +1971,7 @@
             <a:fld id="{B61BEF0D-F0BB-DE4B-95CE-6DB70DBA9567}" type="datetimeFigureOut">
               <a:rPr lang="en-US" dirty="0"/>
               <a:pPr/>
-              <a:t>10/30/2017</a:t>
+              <a:t>10/31/2017</a:t>
             </a:fld>
             <a:endParaRPr lang="en-US" dirty="0"/>
           </a:p>
@@ -2270,7 +2270,7 @@
             <a:fld id="{B61BEF0D-F0BB-DE4B-95CE-6DB70DBA9567}" type="datetimeFigureOut">
               <a:rPr lang="en-US" dirty="0"/>
               <a:pPr/>
-              <a:t>10/30/2017</a:t>
+              <a:t>10/31/2017</a:t>
             </a:fld>
             <a:endParaRPr lang="en-US" dirty="0"/>
           </a:p>
@@ -2634,7 +2634,7 @@
             <a:fld id="{B61BEF0D-F0BB-DE4B-95CE-6DB70DBA9567}" type="datetimeFigureOut">
               <a:rPr lang="en-US" dirty="0"/>
               <a:pPr/>
-              <a:t>10/30/2017</a:t>
+              <a:t>10/31/2017</a:t>
             </a:fld>
             <a:endParaRPr lang="en-US" dirty="0"/>
           </a:p>
@@ -2805,7 +2805,7 @@
             <a:fld id="{B61BEF0D-F0BB-DE4B-95CE-6DB70DBA9567}" type="datetimeFigureOut">
               <a:rPr lang="en-US" dirty="0"/>
               <a:pPr/>
-              <a:t>10/30/2017</a:t>
+              <a:t>10/31/2017</a:t>
             </a:fld>
             <a:endParaRPr lang="en-US" dirty="0"/>
           </a:p>
@@ -2982,7 +2982,7 @@
             <a:fld id="{B61BEF0D-F0BB-DE4B-95CE-6DB70DBA9567}" type="datetimeFigureOut">
               <a:rPr lang="en-US" dirty="0"/>
               <a:pPr/>
-              <a:t>10/30/2017</a:t>
+              <a:t>10/31/2017</a:t>
             </a:fld>
             <a:endParaRPr lang="en-US" dirty="0"/>
           </a:p>
@@ -3149,7 +3149,7 @@
             <a:fld id="{B61BEF0D-F0BB-DE4B-95CE-6DB70DBA9567}" type="datetimeFigureOut">
               <a:rPr lang="en-US" dirty="0"/>
               <a:pPr/>
-              <a:t>10/30/2017</a:t>
+              <a:t>10/31/2017</a:t>
             </a:fld>
             <a:endParaRPr lang="en-US" dirty="0"/>
           </a:p>
@@ -3396,7 +3396,7 @@
             <a:fld id="{B61BEF0D-F0BB-DE4B-95CE-6DB70DBA9567}" type="datetimeFigureOut">
               <a:rPr lang="en-US" dirty="0"/>
               <a:pPr/>
-              <a:t>10/30/2017</a:t>
+              <a:t>10/31/2017</a:t>
             </a:fld>
             <a:endParaRPr lang="en-US" dirty="0"/>
           </a:p>
@@ -3629,7 +3629,7 @@
             <a:fld id="{B61BEF0D-F0BB-DE4B-95CE-6DB70DBA9567}" type="datetimeFigureOut">
               <a:rPr lang="en-US" dirty="0"/>
               <a:pPr/>
-              <a:t>10/30/2017</a:t>
+              <a:t>10/31/2017</a:t>
             </a:fld>
             <a:endParaRPr lang="en-US" dirty="0"/>
           </a:p>
@@ -4008,7 +4008,7 @@
             <a:fld id="{B61BEF0D-F0BB-DE4B-95CE-6DB70DBA9567}" type="datetimeFigureOut">
               <a:rPr lang="en-US" dirty="0"/>
               <a:pPr/>
-              <a:t>10/30/2017</a:t>
+              <a:t>10/31/2017</a:t>
             </a:fld>
             <a:endParaRPr lang="en-US" dirty="0"/>
           </a:p>
@@ -4123,7 +4123,7 @@
             <a:fld id="{B61BEF0D-F0BB-DE4B-95CE-6DB70DBA9567}" type="datetimeFigureOut">
               <a:rPr lang="en-US" dirty="0"/>
               <a:pPr/>
-              <a:t>10/30/2017</a:t>
+              <a:t>10/31/2017</a:t>
             </a:fld>
             <a:endParaRPr lang="en-US" dirty="0"/>
           </a:p>
@@ -4215,7 +4215,7 @@
             <a:fld id="{B61BEF0D-F0BB-DE4B-95CE-6DB70DBA9567}" type="datetimeFigureOut">
               <a:rPr lang="en-US" dirty="0"/>
               <a:pPr/>
-              <a:t>10/30/2017</a:t>
+              <a:t>10/31/2017</a:t>
             </a:fld>
             <a:endParaRPr lang="en-US" dirty="0"/>
           </a:p>
@@ -4467,7 +4467,7 @@
             <a:fld id="{B61BEF0D-F0BB-DE4B-95CE-6DB70DBA9567}" type="datetimeFigureOut">
               <a:rPr lang="en-US" dirty="0"/>
               <a:pPr/>
-              <a:t>10/30/2017</a:t>
+              <a:t>10/31/2017</a:t>
             </a:fld>
             <a:endParaRPr lang="en-US" dirty="0"/>
           </a:p>
@@ -4747,7 +4747,7 @@
             <a:fld id="{B61BEF0D-F0BB-DE4B-95CE-6DB70DBA9567}" type="datetimeFigureOut">
               <a:rPr lang="en-US" dirty="0"/>
               <a:pPr/>
-              <a:t>10/30/2017</a:t>
+              <a:t>10/31/2017</a:t>
             </a:fld>
             <a:endParaRPr lang="en-US" dirty="0"/>
           </a:p>
@@ -5150,7 +5150,7 @@
             <a:fld id="{B61BEF0D-F0BB-DE4B-95CE-6DB70DBA9567}" type="datetimeFigureOut">
               <a:rPr lang="en-US" dirty="0"/>
               <a:pPr/>
-              <a:t>10/30/2017</a:t>
+              <a:t>10/31/2017</a:t>
             </a:fld>
             <a:endParaRPr lang="en-US" dirty="0"/>
           </a:p>
@@ -5901,7 +5901,7 @@
       </p:sp>
       <p:pic>
         <p:nvPicPr>
-          <p:cNvPr id="5" name="图片 4"/>
+          <p:cNvPr id="2" name="图片 1"/>
           <p:cNvPicPr>
             <a:picLocks noChangeAspect="1"/>
           </p:cNvPicPr>
@@ -5921,8 +5921,8 @@
         </p:blipFill>
         <p:spPr>
           <a:xfrm>
-            <a:off x="5953600" y="1645951"/>
-            <a:ext cx="5668166" cy="3791479"/>
+            <a:off x="5868071" y="1015016"/>
+            <a:ext cx="5581650" cy="3771900"/>
           </a:xfrm>
           <a:prstGeom prst="rect">
             <a:avLst/>
@@ -6042,7 +6042,7 @@
       </p:sp>
       <p:pic>
         <p:nvPicPr>
-          <p:cNvPr id="6" name="图片 5"/>
+          <p:cNvPr id="2" name="图片 1"/>
           <p:cNvPicPr>
             <a:picLocks noChangeAspect="1"/>
           </p:cNvPicPr>
@@ -6062,8 +6062,8 @@
         </p:blipFill>
         <p:spPr>
           <a:xfrm>
-            <a:off x="6136582" y="1765278"/>
-            <a:ext cx="5534025" cy="3552825"/>
+            <a:off x="6270670" y="1665266"/>
+            <a:ext cx="5600700" cy="3752850"/>
           </a:xfrm>
           <a:prstGeom prst="rect">
             <a:avLst/>
@@ -6187,7 +6187,7 @@
       </p:sp>
       <p:pic>
         <p:nvPicPr>
-          <p:cNvPr id="5" name="图片 4"/>
+          <p:cNvPr id="2" name="图片 1"/>
           <p:cNvPicPr>
             <a:picLocks noChangeAspect="1"/>
           </p:cNvPicPr>
@@ -6207,8 +6207,8 @@
         </p:blipFill>
         <p:spPr>
           <a:xfrm>
-            <a:off x="4247105" y="1407793"/>
-            <a:ext cx="7278116" cy="4267796"/>
+            <a:off x="6143960" y="1560289"/>
+            <a:ext cx="5210175" cy="3248025"/>
           </a:xfrm>
           <a:prstGeom prst="rect">
             <a:avLst/>
@@ -6332,7 +6332,7 @@
       </p:sp>
       <p:pic>
         <p:nvPicPr>
-          <p:cNvPr id="2" name="图片 1"/>
+          <p:cNvPr id="5" name="图片 4"/>
           <p:cNvPicPr>
             <a:picLocks noChangeAspect="1"/>
           </p:cNvPicPr>
@@ -6352,8 +6352,8 @@
         </p:blipFill>
         <p:spPr>
           <a:xfrm>
-            <a:off x="4165784" y="1269260"/>
-            <a:ext cx="7621064" cy="4667901"/>
+            <a:off x="5241701" y="1403798"/>
+            <a:ext cx="6272280" cy="3237562"/>
           </a:xfrm>
           <a:prstGeom prst="rect">
             <a:avLst/>
@@ -7241,7 +7241,7 @@
       </p:sp>
       <p:pic>
         <p:nvPicPr>
-          <p:cNvPr id="5" name="图片 4"/>
+          <p:cNvPr id="2" name="图片 1"/>
           <p:cNvPicPr>
             <a:picLocks noChangeAspect="1"/>
           </p:cNvPicPr>
@@ -7261,8 +7261,8 @@
         </p:blipFill>
         <p:spPr>
           <a:xfrm>
-            <a:off x="5294693" y="1736703"/>
-            <a:ext cx="5543550" cy="3609975"/>
+            <a:off x="5630079" y="1361337"/>
+            <a:ext cx="5619750" cy="3800475"/>
           </a:xfrm>
           <a:prstGeom prst="rect">
             <a:avLst/>
@@ -7394,7 +7394,7 @@
       </p:sp>
       <p:pic>
         <p:nvPicPr>
-          <p:cNvPr id="2" name="图片 1"/>
+          <p:cNvPr id="5" name="图片 4"/>
           <p:cNvPicPr>
             <a:picLocks noChangeAspect="1"/>
           </p:cNvPicPr>
@@ -7414,8 +7414,8 @@
         </p:blipFill>
         <p:spPr>
           <a:xfrm>
-            <a:off x="5922694" y="1795864"/>
-            <a:ext cx="5638800" cy="3781425"/>
+            <a:off x="5676296" y="1335042"/>
+            <a:ext cx="5553075" cy="3724275"/>
           </a:xfrm>
           <a:prstGeom prst="rect">
             <a:avLst/>
@@ -7554,7 +7554,7 @@
       </p:sp>
       <p:pic>
         <p:nvPicPr>
-          <p:cNvPr id="5" name="图片 4"/>
+          <p:cNvPr id="2" name="图片 1"/>
           <p:cNvPicPr>
             <a:picLocks noChangeAspect="1"/>
           </p:cNvPicPr>
@@ -7574,8 +7574,8 @@
         </p:blipFill>
         <p:spPr>
           <a:xfrm>
-            <a:off x="5910351" y="1279503"/>
-            <a:ext cx="5715000" cy="4524375"/>
+            <a:off x="6165290" y="1877699"/>
+            <a:ext cx="5038725" cy="3057525"/>
           </a:xfrm>
           <a:prstGeom prst="rect">
             <a:avLst/>
@@ -7738,7 +7738,7 @@
       </p:sp>
       <p:pic>
         <p:nvPicPr>
-          <p:cNvPr id="2" name="图片 1"/>
+          <p:cNvPr id="5" name="图片 4"/>
           <p:cNvPicPr>
             <a:picLocks noChangeAspect="1"/>
           </p:cNvPicPr>
@@ -7758,8 +7758,8 @@
         </p:blipFill>
         <p:spPr>
           <a:xfrm>
-            <a:off x="5646452" y="1546538"/>
-            <a:ext cx="5715798" cy="3848637"/>
+            <a:off x="5790797" y="1539562"/>
+            <a:ext cx="5581650" cy="3733800"/>
           </a:xfrm>
           <a:prstGeom prst="rect">
             <a:avLst/>
